--- a/Modelica_Vektorgrafiken.pptx
+++ b/Modelica_Vektorgrafiken.pptx
@@ -17,6 +17,7 @@
     <p:sldId id="265" r:id="rId11"/>
     <p:sldId id="266" r:id="rId12"/>
     <p:sldId id="267" r:id="rId13"/>
+    <p:sldId id="268" r:id="rId14"/>
   </p:sldIdLst>
   <p:sldSz cx="12192000" cy="6858000"/>
   <p:notesSz cx="6858000" cy="9144000"/>
@@ -115,6 +116,11 @@
       </a:defRPr>
     </a:lvl9pPr>
   </p:defaultTextStyle>
+  <p:extLst>
+    <p:ext uri="{EFAFB233-063F-42B5-8137-9DF3F51BA10A}">
+      <p15:sldGuideLst xmlns:p15="http://schemas.microsoft.com/office/powerpoint/2012/main"/>
+    </p:ext>
+  </p:extLst>
 </p:presentation>
 </file>
 
@@ -265,7 +271,7 @@
           <a:p>
             <a:fld id="{64092515-8DFF-4F72-8984-2BEDE11E4F44}" type="datetimeFigureOut">
               <a:rPr lang="de-DE" smtClean="0"/>
-              <a:t>11.12.2019</a:t>
+              <a:t>16.12.2019</a:t>
             </a:fld>
             <a:endParaRPr lang="de-DE"/>
           </a:p>
@@ -463,7 +469,7 @@
           <a:p>
             <a:fld id="{64092515-8DFF-4F72-8984-2BEDE11E4F44}" type="datetimeFigureOut">
               <a:rPr lang="de-DE" smtClean="0"/>
-              <a:t>11.12.2019</a:t>
+              <a:t>16.12.2019</a:t>
             </a:fld>
             <a:endParaRPr lang="de-DE"/>
           </a:p>
@@ -671,7 +677,7 @@
           <a:p>
             <a:fld id="{64092515-8DFF-4F72-8984-2BEDE11E4F44}" type="datetimeFigureOut">
               <a:rPr lang="de-DE" smtClean="0"/>
-              <a:t>11.12.2019</a:t>
+              <a:t>16.12.2019</a:t>
             </a:fld>
             <a:endParaRPr lang="de-DE"/>
           </a:p>
@@ -869,7 +875,7 @@
           <a:p>
             <a:fld id="{64092515-8DFF-4F72-8984-2BEDE11E4F44}" type="datetimeFigureOut">
               <a:rPr lang="de-DE" smtClean="0"/>
-              <a:t>11.12.2019</a:t>
+              <a:t>16.12.2019</a:t>
             </a:fld>
             <a:endParaRPr lang="de-DE"/>
           </a:p>
@@ -1144,7 +1150,7 @@
           <a:p>
             <a:fld id="{64092515-8DFF-4F72-8984-2BEDE11E4F44}" type="datetimeFigureOut">
               <a:rPr lang="de-DE" smtClean="0"/>
-              <a:t>11.12.2019</a:t>
+              <a:t>16.12.2019</a:t>
             </a:fld>
             <a:endParaRPr lang="de-DE"/>
           </a:p>
@@ -1409,7 +1415,7 @@
           <a:p>
             <a:fld id="{64092515-8DFF-4F72-8984-2BEDE11E4F44}" type="datetimeFigureOut">
               <a:rPr lang="de-DE" smtClean="0"/>
-              <a:t>11.12.2019</a:t>
+              <a:t>16.12.2019</a:t>
             </a:fld>
             <a:endParaRPr lang="de-DE"/>
           </a:p>
@@ -1821,7 +1827,7 @@
           <a:p>
             <a:fld id="{64092515-8DFF-4F72-8984-2BEDE11E4F44}" type="datetimeFigureOut">
               <a:rPr lang="de-DE" smtClean="0"/>
-              <a:t>11.12.2019</a:t>
+              <a:t>16.12.2019</a:t>
             </a:fld>
             <a:endParaRPr lang="de-DE"/>
           </a:p>
@@ -1962,7 +1968,7 @@
           <a:p>
             <a:fld id="{64092515-8DFF-4F72-8984-2BEDE11E4F44}" type="datetimeFigureOut">
               <a:rPr lang="de-DE" smtClean="0"/>
-              <a:t>11.12.2019</a:t>
+              <a:t>16.12.2019</a:t>
             </a:fld>
             <a:endParaRPr lang="de-DE"/>
           </a:p>
@@ -2075,7 +2081,7 @@
           <a:p>
             <a:fld id="{64092515-8DFF-4F72-8984-2BEDE11E4F44}" type="datetimeFigureOut">
               <a:rPr lang="de-DE" smtClean="0"/>
-              <a:t>11.12.2019</a:t>
+              <a:t>16.12.2019</a:t>
             </a:fld>
             <a:endParaRPr lang="de-DE"/>
           </a:p>
@@ -2386,7 +2392,7 @@
           <a:p>
             <a:fld id="{64092515-8DFF-4F72-8984-2BEDE11E4F44}" type="datetimeFigureOut">
               <a:rPr lang="de-DE" smtClean="0"/>
-              <a:t>11.12.2019</a:t>
+              <a:t>16.12.2019</a:t>
             </a:fld>
             <a:endParaRPr lang="de-DE"/>
           </a:p>
@@ -2674,7 +2680,7 @@
           <a:p>
             <a:fld id="{64092515-8DFF-4F72-8984-2BEDE11E4F44}" type="datetimeFigureOut">
               <a:rPr lang="de-DE" smtClean="0"/>
-              <a:t>11.12.2019</a:t>
+              <a:t>16.12.2019</a:t>
             </a:fld>
             <a:endParaRPr lang="de-DE"/>
           </a:p>
@@ -2915,7 +2921,7 @@
           <a:p>
             <a:fld id="{64092515-8DFF-4F72-8984-2BEDE11E4F44}" type="datetimeFigureOut">
               <a:rPr lang="de-DE" smtClean="0"/>
-              <a:t>11.12.2019</a:t>
+              <a:t>16.12.2019</a:t>
             </a:fld>
             <a:endParaRPr lang="de-DE"/>
           </a:p>
@@ -3426,13 +3432,13 @@
               </a:ext>
             </a:extLst>
           </a:blip>
-          <a:srcRect t="50000" r="58860"/>
+          <a:srcRect l="414" t="52156" r="59927" b="3562"/>
           <a:stretch/>
         </p:blipFill>
         <p:spPr>
           <a:xfrm>
-            <a:off x="4420814" y="1714500"/>
-            <a:ext cx="3350371" cy="3429000"/>
+            <a:off x="4454553" y="1862356"/>
+            <a:ext cx="3229763" cy="3036815"/>
           </a:xfrm>
           <a:prstGeom prst="rect">
             <a:avLst/>
@@ -3494,13 +3500,13 @@
               </a:ext>
             </a:extLst>
           </a:blip>
-          <a:srcRect t="48980" r="62186"/>
+          <a:srcRect l="491" t="50422" r="63493" b="649"/>
           <a:stretch/>
         </p:blipFill>
         <p:spPr>
           <a:xfrm>
-            <a:off x="4281619" y="1679510"/>
-            <a:ext cx="3628761" cy="3498980"/>
+            <a:off x="4328718" y="1778466"/>
+            <a:ext cx="3456265" cy="3355596"/>
           </a:xfrm>
           <a:prstGeom prst="rect">
             <a:avLst/>
@@ -3562,13 +3568,13 @@
               </a:ext>
             </a:extLst>
           </a:blip>
-          <a:srcRect t="82041" r="86253" b="6122"/>
+          <a:srcRect l="999" t="84444" r="88287" b="8052"/>
           <a:stretch/>
         </p:blipFill>
         <p:spPr>
           <a:xfrm>
-            <a:off x="3291989" y="-10443"/>
-            <a:ext cx="5608022" cy="6868443"/>
+            <a:off x="3699545" y="1384183"/>
+            <a:ext cx="4370664" cy="4353887"/>
           </a:xfrm>
           <a:prstGeom prst="rect">
             <a:avLst/>
@@ -3579,6 +3585,74 @@
     <p:extLst>
       <p:ext uri="{BB962C8B-B14F-4D97-AF65-F5344CB8AC3E}">
         <p14:creationId xmlns:p14="http://schemas.microsoft.com/office/powerpoint/2010/main" val="1425797273"/>
+      </p:ext>
+    </p:extLst>
+  </p:cSld>
+  <p:clrMapOvr>
+    <a:masterClrMapping/>
+  </p:clrMapOvr>
+</p:sld>
+</file>
+
+<file path=ppt/slides/slide13.xml><?xml version="1.0" encoding="utf-8"?>
+<p:sld xmlns:a="http://schemas.openxmlformats.org/drawingml/2006/main" xmlns:r="http://schemas.openxmlformats.org/officeDocument/2006/relationships" xmlns:p="http://schemas.openxmlformats.org/presentationml/2006/main">
+  <p:cSld>
+    <p:spTree>
+      <p:nvGrpSpPr>
+        <p:cNvPr id="1" name=""/>
+        <p:cNvGrpSpPr/>
+        <p:nvPr/>
+      </p:nvGrpSpPr>
+      <p:grpSpPr>
+        <a:xfrm>
+          <a:off x="0" y="0"/>
+          <a:ext cx="0" cy="0"/>
+          <a:chOff x="0" y="0"/>
+          <a:chExt cx="0" cy="0"/>
+        </a:xfrm>
+      </p:grpSpPr>
+      <p:pic>
+        <p:nvPicPr>
+          <p:cNvPr id="5" name="Grafik 4">
+            <a:extLst>
+              <a:ext uri="{FF2B5EF4-FFF2-40B4-BE49-F238E27FC236}">
+                <a16:creationId xmlns:a16="http://schemas.microsoft.com/office/drawing/2014/main" id="{20D36BAF-6188-4FB5-A5C1-CD71811253D3}"/>
+              </a:ext>
+            </a:extLst>
+          </p:cNvPr>
+          <p:cNvPicPr>
+            <a:picLocks noChangeAspect="1"/>
+          </p:cNvPicPr>
+          <p:nvPr/>
+        </p:nvPicPr>
+        <p:blipFill rotWithShape="1">
+          <a:blip r:embed="rId2">
+            <a:extLst>
+              <a:ext uri="{28A0092B-C50C-407E-A947-70E740481C1C}">
+                <a14:useLocalDpi xmlns:a14="http://schemas.microsoft.com/office/drawing/2010/main" val="0"/>
+              </a:ext>
+              <a:ext uri="{96DAC541-7B7A-43D3-8B79-37D633B846F1}">
+                <asvg:svgBlip xmlns:asvg="http://schemas.microsoft.com/office/drawing/2016/SVG/main" r:embed="rId3"/>
+              </a:ext>
+            </a:extLst>
+          </a:blip>
+          <a:srcRect r="31196"/>
+          <a:stretch/>
+        </p:blipFill>
+        <p:spPr>
+          <a:xfrm>
+            <a:off x="3080285" y="0"/>
+            <a:ext cx="6031429" cy="6858000"/>
+          </a:xfrm>
+          <a:prstGeom prst="rect">
+            <a:avLst/>
+          </a:prstGeom>
+        </p:spPr>
+      </p:pic>
+    </p:spTree>
+    <p:extLst>
+      <p:ext uri="{BB962C8B-B14F-4D97-AF65-F5344CB8AC3E}">
+        <p14:creationId xmlns:p14="http://schemas.microsoft.com/office/powerpoint/2010/main" val="2221398894"/>
       </p:ext>
     </p:extLst>
   </p:cSld>

--- a/Modelica_Vektorgrafiken.pptx
+++ b/Modelica_Vektorgrafiken.pptx
@@ -11,13 +11,14 @@
     <p:sldId id="259" r:id="rId5"/>
     <p:sldId id="260" r:id="rId6"/>
     <p:sldId id="261" r:id="rId7"/>
-    <p:sldId id="262" r:id="rId8"/>
-    <p:sldId id="263" r:id="rId9"/>
-    <p:sldId id="264" r:id="rId10"/>
-    <p:sldId id="265" r:id="rId11"/>
-    <p:sldId id="266" r:id="rId12"/>
-    <p:sldId id="267" r:id="rId13"/>
-    <p:sldId id="268" r:id="rId14"/>
+    <p:sldId id="269" r:id="rId8"/>
+    <p:sldId id="262" r:id="rId9"/>
+    <p:sldId id="263" r:id="rId10"/>
+    <p:sldId id="264" r:id="rId11"/>
+    <p:sldId id="265" r:id="rId12"/>
+    <p:sldId id="266" r:id="rId13"/>
+    <p:sldId id="267" r:id="rId14"/>
+    <p:sldId id="268" r:id="rId15"/>
   </p:sldIdLst>
   <p:sldSz cx="12192000" cy="6858000"/>
   <p:notesSz cx="6858000" cy="9144000"/>
@@ -3412,7 +3413,7 @@
           <p:cNvPr id="3" name="Grafik 2">
             <a:extLst>
               <a:ext uri="{FF2B5EF4-FFF2-40B4-BE49-F238E27FC236}">
-                <a16:creationId xmlns:a16="http://schemas.microsoft.com/office/drawing/2014/main" id="{F7C9C399-DF4B-4970-AC52-2AB70D1DEED4}"/>
+                <a16:creationId xmlns:a16="http://schemas.microsoft.com/office/drawing/2014/main" id="{02972521-EBC1-4099-99D0-6FF1D52E8673}"/>
               </a:ext>
             </a:extLst>
           </p:cNvPr>
@@ -3432,13 +3433,13 @@
               </a:ext>
             </a:extLst>
           </a:blip>
-          <a:srcRect l="414" t="52156" r="59927" b="3562"/>
+          <a:srcRect l="25561" t="18301" r="38546" b="1177"/>
           <a:stretch/>
         </p:blipFill>
         <p:spPr>
           <a:xfrm>
-            <a:off x="4454553" y="1862356"/>
-            <a:ext cx="3229763" cy="3036815"/>
+            <a:off x="3907971" y="993709"/>
+            <a:ext cx="4376058" cy="4870581"/>
           </a:xfrm>
           <a:prstGeom prst="rect">
             <a:avLst/>
@@ -3448,7 +3449,7 @@
     </p:spTree>
     <p:extLst>
       <p:ext uri="{BB962C8B-B14F-4D97-AF65-F5344CB8AC3E}">
-        <p14:creationId xmlns:p14="http://schemas.microsoft.com/office/powerpoint/2010/main" val="2989644319"/>
+        <p14:creationId xmlns:p14="http://schemas.microsoft.com/office/powerpoint/2010/main" val="4292691563"/>
       </p:ext>
     </p:extLst>
   </p:cSld>
@@ -3480,7 +3481,7 @@
           <p:cNvPr id="3" name="Grafik 2">
             <a:extLst>
               <a:ext uri="{FF2B5EF4-FFF2-40B4-BE49-F238E27FC236}">
-                <a16:creationId xmlns:a16="http://schemas.microsoft.com/office/drawing/2014/main" id="{5817255B-0C00-43A4-B7B0-F0F72D8087A3}"/>
+                <a16:creationId xmlns:a16="http://schemas.microsoft.com/office/drawing/2014/main" id="{F7C9C399-DF4B-4970-AC52-2AB70D1DEED4}"/>
               </a:ext>
             </a:extLst>
           </p:cNvPr>
@@ -3500,13 +3501,13 @@
               </a:ext>
             </a:extLst>
           </a:blip>
-          <a:srcRect l="491" t="50422" r="63493" b="649"/>
+          <a:srcRect l="414" t="52156" r="59927" b="3562"/>
           <a:stretch/>
         </p:blipFill>
         <p:spPr>
           <a:xfrm>
-            <a:off x="4328718" y="1778466"/>
-            <a:ext cx="3456265" cy="3355596"/>
+            <a:off x="4454553" y="1862356"/>
+            <a:ext cx="3229763" cy="3036815"/>
           </a:xfrm>
           <a:prstGeom prst="rect">
             <a:avLst/>
@@ -3516,7 +3517,7 @@
     </p:spTree>
     <p:extLst>
       <p:ext uri="{BB962C8B-B14F-4D97-AF65-F5344CB8AC3E}">
-        <p14:creationId xmlns:p14="http://schemas.microsoft.com/office/powerpoint/2010/main" val="2023028106"/>
+        <p14:creationId xmlns:p14="http://schemas.microsoft.com/office/powerpoint/2010/main" val="2989644319"/>
       </p:ext>
     </p:extLst>
   </p:cSld>
@@ -3548,6 +3549,74 @@
           <p:cNvPr id="3" name="Grafik 2">
             <a:extLst>
               <a:ext uri="{FF2B5EF4-FFF2-40B4-BE49-F238E27FC236}">
+                <a16:creationId xmlns:a16="http://schemas.microsoft.com/office/drawing/2014/main" id="{5817255B-0C00-43A4-B7B0-F0F72D8087A3}"/>
+              </a:ext>
+            </a:extLst>
+          </p:cNvPr>
+          <p:cNvPicPr>
+            <a:picLocks noChangeAspect="1"/>
+          </p:cNvPicPr>
+          <p:nvPr/>
+        </p:nvPicPr>
+        <p:blipFill rotWithShape="1">
+          <a:blip r:embed="rId2">
+            <a:extLst>
+              <a:ext uri="{28A0092B-C50C-407E-A947-70E740481C1C}">
+                <a14:useLocalDpi xmlns:a14="http://schemas.microsoft.com/office/drawing/2010/main" val="0"/>
+              </a:ext>
+              <a:ext uri="{96DAC541-7B7A-43D3-8B79-37D633B846F1}">
+                <asvg:svgBlip xmlns:asvg="http://schemas.microsoft.com/office/drawing/2016/SVG/main" r:embed="rId3"/>
+              </a:ext>
+            </a:extLst>
+          </a:blip>
+          <a:srcRect l="491" t="50422" r="63493" b="649"/>
+          <a:stretch/>
+        </p:blipFill>
+        <p:spPr>
+          <a:xfrm>
+            <a:off x="4328718" y="1778466"/>
+            <a:ext cx="3456265" cy="3355596"/>
+          </a:xfrm>
+          <a:prstGeom prst="rect">
+            <a:avLst/>
+          </a:prstGeom>
+        </p:spPr>
+      </p:pic>
+    </p:spTree>
+    <p:extLst>
+      <p:ext uri="{BB962C8B-B14F-4D97-AF65-F5344CB8AC3E}">
+        <p14:creationId xmlns:p14="http://schemas.microsoft.com/office/powerpoint/2010/main" val="2023028106"/>
+      </p:ext>
+    </p:extLst>
+  </p:cSld>
+  <p:clrMapOvr>
+    <a:masterClrMapping/>
+  </p:clrMapOvr>
+</p:sld>
+</file>
+
+<file path=ppt/slides/slide13.xml><?xml version="1.0" encoding="utf-8"?>
+<p:sld xmlns:a="http://schemas.openxmlformats.org/drawingml/2006/main" xmlns:r="http://schemas.openxmlformats.org/officeDocument/2006/relationships" xmlns:p="http://schemas.openxmlformats.org/presentationml/2006/main">
+  <p:cSld>
+    <p:spTree>
+      <p:nvGrpSpPr>
+        <p:cNvPr id="1" name=""/>
+        <p:cNvGrpSpPr/>
+        <p:nvPr/>
+      </p:nvGrpSpPr>
+      <p:grpSpPr>
+        <a:xfrm>
+          <a:off x="0" y="0"/>
+          <a:ext cx="0" cy="0"/>
+          <a:chOff x="0" y="0"/>
+          <a:chExt cx="0" cy="0"/>
+        </a:xfrm>
+      </p:grpSpPr>
+      <p:pic>
+        <p:nvPicPr>
+          <p:cNvPr id="3" name="Grafik 2">
+            <a:extLst>
+              <a:ext uri="{FF2B5EF4-FFF2-40B4-BE49-F238E27FC236}">
                 <a16:creationId xmlns:a16="http://schemas.microsoft.com/office/drawing/2014/main" id="{1C063335-19D1-4226-83BF-9A3CA4A63217}"/>
               </a:ext>
             </a:extLst>
@@ -3594,7 +3663,7 @@
 </p:sld>
 </file>
 
-<file path=ppt/slides/slide13.xml><?xml version="1.0" encoding="utf-8"?>
+<file path=ppt/slides/slide14.xml><?xml version="1.0" encoding="utf-8"?>
 <p:sld xmlns:a="http://schemas.openxmlformats.org/drawingml/2006/main" xmlns:r="http://schemas.openxmlformats.org/officeDocument/2006/relationships" xmlns:p="http://schemas.openxmlformats.org/presentationml/2006/main">
   <p:cSld>
     <p:spTree>
@@ -4029,7 +4098,7 @@
           <p:cNvPr id="5" name="Grafik 4">
             <a:extLst>
               <a:ext uri="{FF2B5EF4-FFF2-40B4-BE49-F238E27FC236}">
-                <a16:creationId xmlns:a16="http://schemas.microsoft.com/office/drawing/2014/main" id="{A296B2EB-6A1B-4E32-AF54-736008D104CF}"/>
+                <a16:creationId xmlns:a16="http://schemas.microsoft.com/office/drawing/2014/main" id="{8C4DAD5C-A0F4-41BA-BF05-EAAE10A9724B}"/>
               </a:ext>
             </a:extLst>
           </p:cNvPr>
@@ -4038,7 +4107,7 @@
           </p:cNvPicPr>
           <p:nvPr/>
         </p:nvPicPr>
-        <p:blipFill rotWithShape="1">
+        <p:blipFill>
           <a:blip r:embed="rId2">
             <a:extLst>
               <a:ext uri="{28A0092B-C50C-407E-A947-70E740481C1C}">
@@ -4049,13 +4118,14 @@
               </a:ext>
             </a:extLst>
           </a:blip>
-          <a:srcRect l="35893" t="17488" r="25306" b="9486"/>
-          <a:stretch/>
+          <a:stretch>
+            <a:fillRect/>
+          </a:stretch>
         </p:blipFill>
         <p:spPr>
           <a:xfrm>
-            <a:off x="3730689" y="1768151"/>
-            <a:ext cx="4730621" cy="3321698"/>
+            <a:off x="3619500" y="1471612"/>
+            <a:ext cx="4953000" cy="3914775"/>
           </a:xfrm>
           <a:prstGeom prst="rect">
             <a:avLst/>
@@ -4065,7 +4135,7 @@
     </p:spTree>
     <p:extLst>
       <p:ext uri="{BB962C8B-B14F-4D97-AF65-F5344CB8AC3E}">
-        <p14:creationId xmlns:p14="http://schemas.microsoft.com/office/powerpoint/2010/main" val="2562121354"/>
+        <p14:creationId xmlns:p14="http://schemas.microsoft.com/office/powerpoint/2010/main" val="2701983638"/>
       </p:ext>
     </p:extLst>
   </p:cSld>
@@ -4094,10 +4164,10 @@
       </p:grpSpPr>
       <p:pic>
         <p:nvPicPr>
-          <p:cNvPr id="3" name="Grafik 2">
-            <a:extLst>
-              <a:ext uri="{FF2B5EF4-FFF2-40B4-BE49-F238E27FC236}">
-                <a16:creationId xmlns:a16="http://schemas.microsoft.com/office/drawing/2014/main" id="{8DDB41B8-0A53-411A-B01B-707539E72B0D}"/>
+          <p:cNvPr id="5" name="Grafik 4">
+            <a:extLst>
+              <a:ext uri="{FF2B5EF4-FFF2-40B4-BE49-F238E27FC236}">
+                <a16:creationId xmlns:a16="http://schemas.microsoft.com/office/drawing/2014/main" id="{A296B2EB-6A1B-4E32-AF54-736008D104CF}"/>
               </a:ext>
             </a:extLst>
           </p:cNvPr>
@@ -4117,13 +4187,13 @@
               </a:ext>
             </a:extLst>
           </a:blip>
-          <a:srcRect l="5510" t="29095" r="60663" b="-641"/>
+          <a:srcRect l="35893" t="17488" r="25306" b="9486"/>
           <a:stretch/>
         </p:blipFill>
         <p:spPr>
           <a:xfrm>
-            <a:off x="4033934" y="1936102"/>
-            <a:ext cx="4124131" cy="2985796"/>
+            <a:off x="3730689" y="1768151"/>
+            <a:ext cx="4730621" cy="3321698"/>
           </a:xfrm>
           <a:prstGeom prst="rect">
             <a:avLst/>
@@ -4133,7 +4203,7 @@
     </p:spTree>
     <p:extLst>
       <p:ext uri="{BB962C8B-B14F-4D97-AF65-F5344CB8AC3E}">
-        <p14:creationId xmlns:p14="http://schemas.microsoft.com/office/powerpoint/2010/main" val="770096960"/>
+        <p14:creationId xmlns:p14="http://schemas.microsoft.com/office/powerpoint/2010/main" val="2562121354"/>
       </p:ext>
     </p:extLst>
   </p:cSld>
@@ -4165,7 +4235,7 @@
           <p:cNvPr id="3" name="Grafik 2">
             <a:extLst>
               <a:ext uri="{FF2B5EF4-FFF2-40B4-BE49-F238E27FC236}">
-                <a16:creationId xmlns:a16="http://schemas.microsoft.com/office/drawing/2014/main" id="{02972521-EBC1-4099-99D0-6FF1D52E8673}"/>
+                <a16:creationId xmlns:a16="http://schemas.microsoft.com/office/drawing/2014/main" id="{8DDB41B8-0A53-411A-B01B-707539E72B0D}"/>
               </a:ext>
             </a:extLst>
           </p:cNvPr>
@@ -4185,13 +4255,13 @@
               </a:ext>
             </a:extLst>
           </a:blip>
-          <a:srcRect l="25561" t="18301" r="38546" b="1177"/>
+          <a:srcRect l="5510" t="29095" r="60663" b="-641"/>
           <a:stretch/>
         </p:blipFill>
         <p:spPr>
           <a:xfrm>
-            <a:off x="3907971" y="993709"/>
-            <a:ext cx="4376058" cy="4870581"/>
+            <a:off x="4033934" y="1936102"/>
+            <a:ext cx="4124131" cy="2985796"/>
           </a:xfrm>
           <a:prstGeom prst="rect">
             <a:avLst/>
@@ -4201,7 +4271,7 @@
     </p:spTree>
     <p:extLst>
       <p:ext uri="{BB962C8B-B14F-4D97-AF65-F5344CB8AC3E}">
-        <p14:creationId xmlns:p14="http://schemas.microsoft.com/office/powerpoint/2010/main" val="4292691563"/>
+        <p14:creationId xmlns:p14="http://schemas.microsoft.com/office/powerpoint/2010/main" val="770096960"/>
       </p:ext>
     </p:extLst>
   </p:cSld>

--- a/Modelica_Vektorgrafiken.pptx
+++ b/Modelica_Vektorgrafiken.pptx
@@ -3682,10 +3682,10 @@
       </p:grpSpPr>
       <p:pic>
         <p:nvPicPr>
-          <p:cNvPr id="5" name="Grafik 4">
-            <a:extLst>
-              <a:ext uri="{FF2B5EF4-FFF2-40B4-BE49-F238E27FC236}">
-                <a16:creationId xmlns:a16="http://schemas.microsoft.com/office/drawing/2014/main" id="{20D36BAF-6188-4FB5-A5C1-CD71811253D3}"/>
+          <p:cNvPr id="3" name="Grafik 2">
+            <a:extLst>
+              <a:ext uri="{FF2B5EF4-FFF2-40B4-BE49-F238E27FC236}">
+                <a16:creationId xmlns:a16="http://schemas.microsoft.com/office/drawing/2014/main" id="{E19B6C18-842A-4913-92E5-C568FF89FADE}"/>
               </a:ext>
             </a:extLst>
           </p:cNvPr>
@@ -3705,13 +3705,13 @@
               </a:ext>
             </a:extLst>
           </a:blip>
-          <a:srcRect r="31196"/>
+          <a:srcRect r="30557"/>
           <a:stretch/>
         </p:blipFill>
         <p:spPr>
           <a:xfrm>
-            <a:off x="3080285" y="0"/>
-            <a:ext cx="6031429" cy="6858000"/>
+            <a:off x="3052293" y="0"/>
+            <a:ext cx="6087413" cy="6858000"/>
           </a:xfrm>
           <a:prstGeom prst="rect">
             <a:avLst/>

--- a/Modelica_Vektorgrafiken.pptx
+++ b/Modelica_Vektorgrafiken.pptx
@@ -4164,10 +4164,10 @@
       </p:grpSpPr>
       <p:pic>
         <p:nvPicPr>
-          <p:cNvPr id="5" name="Grafik 4">
-            <a:extLst>
-              <a:ext uri="{FF2B5EF4-FFF2-40B4-BE49-F238E27FC236}">
-                <a16:creationId xmlns:a16="http://schemas.microsoft.com/office/drawing/2014/main" id="{A296B2EB-6A1B-4E32-AF54-736008D104CF}"/>
+          <p:cNvPr id="3" name="Grafik 2">
+            <a:extLst>
+              <a:ext uri="{FF2B5EF4-FFF2-40B4-BE49-F238E27FC236}">
+                <a16:creationId xmlns:a16="http://schemas.microsoft.com/office/drawing/2014/main" id="{C3E85AFE-80D6-4D4F-946A-2FA82FA8A10B}"/>
               </a:ext>
             </a:extLst>
           </p:cNvPr>
@@ -4187,13 +4187,13 @@
               </a:ext>
             </a:extLst>
           </a:blip>
-          <a:srcRect l="35893" t="17488" r="25306" b="9486"/>
+          <a:srcRect l="36210" t="25806" r="25403" b="19623"/>
           <a:stretch/>
         </p:blipFill>
         <p:spPr>
           <a:xfrm>
-            <a:off x="3730689" y="1768151"/>
-            <a:ext cx="4730621" cy="3321698"/>
+            <a:off x="3755922" y="1801761"/>
+            <a:ext cx="4680155" cy="3254478"/>
           </a:xfrm>
           <a:prstGeom prst="rect">
             <a:avLst/>

--- a/Modelica_Vektorgrafiken.pptx
+++ b/Modelica_Vektorgrafiken.pptx
@@ -3682,10 +3682,10 @@
       </p:grpSpPr>
       <p:pic>
         <p:nvPicPr>
-          <p:cNvPr id="3" name="Grafik 2">
-            <a:extLst>
-              <a:ext uri="{FF2B5EF4-FFF2-40B4-BE49-F238E27FC236}">
-                <a16:creationId xmlns:a16="http://schemas.microsoft.com/office/drawing/2014/main" id="{E19B6C18-842A-4913-92E5-C568FF89FADE}"/>
+          <p:cNvPr id="4" name="Grafik 3">
+            <a:extLst>
+              <a:ext uri="{FF2B5EF4-FFF2-40B4-BE49-F238E27FC236}">
+                <a16:creationId xmlns:a16="http://schemas.microsoft.com/office/drawing/2014/main" id="{EE0759FB-82C9-4BD5-BDE8-569EEFED12C8}"/>
               </a:ext>
             </a:extLst>
           </p:cNvPr>
@@ -3705,13 +3705,13 @@
               </a:ext>
             </a:extLst>
           </a:blip>
-          <a:srcRect r="30557"/>
+          <a:srcRect r="30035"/>
           <a:stretch/>
         </p:blipFill>
         <p:spPr>
           <a:xfrm>
-            <a:off x="3052293" y="0"/>
-            <a:ext cx="6087413" cy="6858000"/>
+            <a:off x="3029418" y="0"/>
+            <a:ext cx="6133163" cy="6858000"/>
           </a:xfrm>
           <a:prstGeom prst="rect">
             <a:avLst/>
